--- a/PresentaciónArquitecturax86.pptx
+++ b/PresentaciónArquitecturax86.pptx
@@ -5,7 +5,7 @@
     <p:sldMasterId id="2147483660" r:id="rId1"/>
   </p:sldMasterIdLst>
   <p:notesMasterIdLst>
-    <p:notesMasterId r:id="rId14"/>
+    <p:notesMasterId r:id="rId15"/>
   </p:notesMasterIdLst>
   <p:sldIdLst>
     <p:sldId id="256" r:id="rId2"/>
@@ -15,11 +15,12 @@
     <p:sldId id="260" r:id="rId6"/>
     <p:sldId id="261" r:id="rId7"/>
     <p:sldId id="262" r:id="rId8"/>
-    <p:sldId id="267" r:id="rId9"/>
-    <p:sldId id="264" r:id="rId10"/>
-    <p:sldId id="265" r:id="rId11"/>
-    <p:sldId id="266" r:id="rId12"/>
-    <p:sldId id="268" r:id="rId13"/>
+    <p:sldId id="269" r:id="rId9"/>
+    <p:sldId id="267" r:id="rId10"/>
+    <p:sldId id="264" r:id="rId11"/>
+    <p:sldId id="265" r:id="rId12"/>
+    <p:sldId id="266" r:id="rId13"/>
+    <p:sldId id="268" r:id="rId14"/>
   </p:sldIdLst>
   <p:sldSz cx="12192000" cy="6858000"/>
   <p:notesSz cx="6858000" cy="9144000"/>
@@ -118,6 +119,11 @@
       </a:defRPr>
     </a:lvl9pPr>
   </p:defaultTextStyle>
+  <p:extLst>
+    <p:ext uri="{EFAFB233-063F-42B5-8137-9DF3F51BA10A}">
+      <p15:sldGuideLst xmlns:p15="http://schemas.microsoft.com/office/powerpoint/2012/main"/>
+    </p:ext>
+  </p:extLst>
 </p:presentation>
 </file>
 
@@ -873,6 +879,90 @@
             <a:fld id="{8996B00B-438C-4DA2-BB82-2873DEF1656E}" type="slidenum">
               <a:rPr lang="es-BO" smtClean="0"/>
               <a:t>8</a:t>
+            </a:fld>
+            <a:endParaRPr lang="es-BO"/>
+          </a:p>
+        </p:txBody>
+      </p:sp>
+    </p:spTree>
+    <p:extLst>
+      <p:ext uri="{BB962C8B-B14F-4D97-AF65-F5344CB8AC3E}">
+        <p14:creationId xmlns:p14="http://schemas.microsoft.com/office/powerpoint/2010/main" val="1479781556"/>
+      </p:ext>
+    </p:extLst>
+  </p:cSld>
+  <p:clrMapOvr>
+    <a:masterClrMapping/>
+  </p:clrMapOvr>
+</p:notes>
+</file>
+
+<file path=ppt/notesSlides/notesSlide6.xml><?xml version="1.0" encoding="utf-8"?>
+<p:notes xmlns:a="http://schemas.openxmlformats.org/drawingml/2006/main" xmlns:r="http://schemas.openxmlformats.org/officeDocument/2006/relationships" xmlns:p="http://schemas.openxmlformats.org/presentationml/2006/main">
+  <p:cSld>
+    <p:spTree>
+      <p:nvGrpSpPr>
+        <p:cNvPr id="1" name=""/>
+        <p:cNvGrpSpPr/>
+        <p:nvPr/>
+      </p:nvGrpSpPr>
+      <p:grpSpPr>
+        <a:xfrm>
+          <a:off x="0" y="0"/>
+          <a:ext cx="0" cy="0"/>
+          <a:chOff x="0" y="0"/>
+          <a:chExt cx="0" cy="0"/>
+        </a:xfrm>
+      </p:grpSpPr>
+      <p:sp>
+        <p:nvSpPr>
+          <p:cNvPr id="2" name="Marcador de imagen de diapositiva 1"/>
+          <p:cNvSpPr>
+            <a:spLocks noGrp="1" noRot="1" noChangeAspect="1"/>
+          </p:cNvSpPr>
+          <p:nvPr>
+            <p:ph type="sldImg"/>
+          </p:nvPr>
+        </p:nvSpPr>
+        <p:spPr/>
+      </p:sp>
+      <p:sp>
+        <p:nvSpPr>
+          <p:cNvPr id="3" name="Marcador de notas 2"/>
+          <p:cNvSpPr>
+            <a:spLocks noGrp="1"/>
+          </p:cNvSpPr>
+          <p:nvPr>
+            <p:ph type="body" idx="1"/>
+          </p:nvPr>
+        </p:nvSpPr>
+        <p:spPr/>
+        <p:txBody>
+          <a:bodyPr/>
+          <a:lstStyle/>
+          <a:p>
+            <a:endParaRPr lang="es-BO" dirty="0"/>
+          </a:p>
+        </p:txBody>
+      </p:sp>
+      <p:sp>
+        <p:nvSpPr>
+          <p:cNvPr id="4" name="Marcador de número de diapositiva 3"/>
+          <p:cNvSpPr>
+            <a:spLocks noGrp="1"/>
+          </p:cNvSpPr>
+          <p:nvPr>
+            <p:ph type="sldNum" sz="quarter" idx="10"/>
+          </p:nvPr>
+        </p:nvSpPr>
+        <p:spPr/>
+        <p:txBody>
+          <a:bodyPr/>
+          <a:lstStyle/>
+          <a:p>
+            <a:fld id="{8996B00B-438C-4DA2-BB82-2873DEF1656E}" type="slidenum">
+              <a:rPr lang="es-BO" smtClean="0"/>
+              <a:t>9</a:t>
             </a:fld>
             <a:endParaRPr lang="es-BO"/>
           </a:p>
@@ -21470,6 +21560,232 @@
       </p:grpSpPr>
       <p:pic>
         <p:nvPicPr>
+          <p:cNvPr id="3" name="Imagen 2"/>
+          <p:cNvPicPr>
+            <a:picLocks noChangeAspect="1"/>
+          </p:cNvPicPr>
+          <p:nvPr/>
+        </p:nvPicPr>
+        <p:blipFill>
+          <a:blip r:embed="rId2"/>
+          <a:stretch>
+            <a:fillRect/>
+          </a:stretch>
+        </p:blipFill>
+        <p:spPr>
+          <a:xfrm>
+            <a:off x="32984" y="2295330"/>
+            <a:ext cx="4339388" cy="2192694"/>
+          </a:xfrm>
+          <a:prstGeom prst="rect">
+            <a:avLst/>
+          </a:prstGeom>
+        </p:spPr>
+      </p:pic>
+      <p:pic>
+        <p:nvPicPr>
+          <p:cNvPr id="4" name="Imagen 3"/>
+          <p:cNvPicPr>
+            <a:picLocks noChangeAspect="1"/>
+          </p:cNvPicPr>
+          <p:nvPr/>
+        </p:nvPicPr>
+        <p:blipFill>
+          <a:blip r:embed="rId3"/>
+          <a:stretch>
+            <a:fillRect/>
+          </a:stretch>
+        </p:blipFill>
+        <p:spPr>
+          <a:xfrm>
+            <a:off x="4372372" y="1063690"/>
+            <a:ext cx="3209077" cy="3526971"/>
+          </a:xfrm>
+          <a:prstGeom prst="rect">
+            <a:avLst/>
+          </a:prstGeom>
+        </p:spPr>
+      </p:pic>
+      <p:pic>
+        <p:nvPicPr>
+          <p:cNvPr id="5" name="Imagen 4"/>
+          <p:cNvPicPr>
+            <a:picLocks noChangeAspect="1"/>
+          </p:cNvPicPr>
+          <p:nvPr/>
+        </p:nvPicPr>
+        <p:blipFill rotWithShape="1">
+          <a:blip r:embed="rId4">
+            <a:extLst>
+              <a:ext uri="{28A0092B-C50C-407E-A947-70E740481C1C}">
+                <a14:useLocalDpi xmlns:a14="http://schemas.microsoft.com/office/drawing/2010/main" val="0"/>
+              </a:ext>
+            </a:extLst>
+          </a:blip>
+          <a:srcRect l="19173" t="21360" r="10682" b="11701"/>
+          <a:stretch/>
+        </p:blipFill>
+        <p:spPr>
+          <a:xfrm>
+            <a:off x="7581449" y="0"/>
+            <a:ext cx="3340359" cy="4590661"/>
+          </a:xfrm>
+          <a:prstGeom prst="rect">
+            <a:avLst/>
+          </a:prstGeom>
+        </p:spPr>
+      </p:pic>
+      <p:sp>
+        <p:nvSpPr>
+          <p:cNvPr id="7" name="CuadroTexto 6"/>
+          <p:cNvSpPr txBox="1"/>
+          <p:nvPr/>
+        </p:nvSpPr>
+        <p:spPr>
+          <a:xfrm>
+            <a:off x="1684502" y="4907902"/>
+            <a:ext cx="970384" cy="382556"/>
+          </a:xfrm>
+          <a:prstGeom prst="rect">
+            <a:avLst/>
+          </a:prstGeom>
+          <a:noFill/>
+        </p:spPr>
+        <p:txBody>
+          <a:bodyPr wrap="square" rtlCol="0">
+            <a:spAutoFit/>
+          </a:bodyPr>
+          <a:lstStyle/>
+          <a:p>
+            <a:r>
+              <a:rPr lang="es-BO" dirty="0" smtClean="0"/>
+              <a:t>1 </a:t>
+            </a:r>
+            <a:endParaRPr lang="es-BO" dirty="0"/>
+          </a:p>
+        </p:txBody>
+      </p:sp>
+      <p:sp>
+        <p:nvSpPr>
+          <p:cNvPr id="9" name="CuadroTexto 8"/>
+          <p:cNvSpPr txBox="1"/>
+          <p:nvPr/>
+        </p:nvSpPr>
+        <p:spPr>
+          <a:xfrm>
+            <a:off x="5346441" y="4907902"/>
+            <a:ext cx="1642188" cy="369332"/>
+          </a:xfrm>
+          <a:prstGeom prst="rect">
+            <a:avLst/>
+          </a:prstGeom>
+          <a:noFill/>
+        </p:spPr>
+        <p:txBody>
+          <a:bodyPr wrap="square" rtlCol="0">
+            <a:spAutoFit/>
+          </a:bodyPr>
+          <a:lstStyle/>
+          <a:p>
+            <a:r>
+              <a:rPr lang="es-BO" dirty="0" smtClean="0"/>
+              <a:t>2</a:t>
+            </a:r>
+            <a:endParaRPr lang="es-BO" dirty="0"/>
+          </a:p>
+        </p:txBody>
+      </p:sp>
+      <p:sp>
+        <p:nvSpPr>
+          <p:cNvPr id="10" name="CuadroTexto 9"/>
+          <p:cNvSpPr txBox="1"/>
+          <p:nvPr/>
+        </p:nvSpPr>
+        <p:spPr>
+          <a:xfrm>
+            <a:off x="8808098" y="4907902"/>
+            <a:ext cx="1446245" cy="369332"/>
+          </a:xfrm>
+          <a:prstGeom prst="rect">
+            <a:avLst/>
+          </a:prstGeom>
+          <a:noFill/>
+        </p:spPr>
+        <p:txBody>
+          <a:bodyPr wrap="square" rtlCol="0">
+            <a:spAutoFit/>
+          </a:bodyPr>
+          <a:lstStyle/>
+          <a:p>
+            <a:r>
+              <a:rPr lang="es-BO" dirty="0" smtClean="0"/>
+              <a:t>3</a:t>
+            </a:r>
+            <a:endParaRPr lang="es-BO" dirty="0"/>
+          </a:p>
+        </p:txBody>
+      </p:sp>
+      <p:sp>
+        <p:nvSpPr>
+          <p:cNvPr id="12" name="Rectángulo 11"/>
+          <p:cNvSpPr/>
+          <p:nvPr/>
+        </p:nvSpPr>
+        <p:spPr>
+          <a:xfrm>
+            <a:off x="236971" y="162513"/>
+            <a:ext cx="4813625" cy="369332"/>
+          </a:xfrm>
+          <a:prstGeom prst="rect">
+            <a:avLst/>
+          </a:prstGeom>
+        </p:spPr>
+        <p:txBody>
+          <a:bodyPr wrap="none">
+            <a:spAutoFit/>
+          </a:bodyPr>
+          <a:lstStyle/>
+          <a:p>
+            <a:r>
+              <a:rPr lang="es-BO" b="1" dirty="0" smtClean="0"/>
+              <a:t>Esquematización del flujo de la arquitectura x86</a:t>
+            </a:r>
+            <a:endParaRPr lang="es-BO" dirty="0"/>
+          </a:p>
+        </p:txBody>
+      </p:sp>
+    </p:spTree>
+    <p:extLst>
+      <p:ext uri="{BB962C8B-B14F-4D97-AF65-F5344CB8AC3E}">
+        <p14:creationId xmlns:p14="http://schemas.microsoft.com/office/powerpoint/2010/main" val="1793049272"/>
+      </p:ext>
+    </p:extLst>
+  </p:cSld>
+  <p:clrMapOvr>
+    <a:masterClrMapping/>
+  </p:clrMapOvr>
+</p:sld>
+</file>
+
+<file path=ppt/slides/slide11.xml><?xml version="1.0" encoding="utf-8"?>
+<p:sld xmlns:a="http://schemas.openxmlformats.org/drawingml/2006/main" xmlns:r="http://schemas.openxmlformats.org/officeDocument/2006/relationships" xmlns:p="http://schemas.openxmlformats.org/presentationml/2006/main">
+  <p:cSld>
+    <p:spTree>
+      <p:nvGrpSpPr>
+        <p:cNvPr id="1" name=""/>
+        <p:cNvGrpSpPr/>
+        <p:nvPr/>
+      </p:nvGrpSpPr>
+      <p:grpSpPr>
+        <a:xfrm>
+          <a:off x="0" y="0"/>
+          <a:ext cx="0" cy="0"/>
+          <a:chOff x="0" y="0"/>
+          <a:chExt cx="0" cy="0"/>
+        </a:xfrm>
+      </p:grpSpPr>
+      <p:pic>
+        <p:nvPicPr>
           <p:cNvPr id="2" name="Imagen 1"/>
           <p:cNvPicPr>
             <a:picLocks noChangeAspect="1"/>
@@ -21599,7 +21915,7 @@
 </p:sld>
 </file>
 
-<file path=ppt/slides/slide11.xml><?xml version="1.0" encoding="utf-8"?>
+<file path=ppt/slides/slide12.xml><?xml version="1.0" encoding="utf-8"?>
 <p:sld xmlns:a="http://schemas.openxmlformats.org/drawingml/2006/main" xmlns:r="http://schemas.openxmlformats.org/officeDocument/2006/relationships" xmlns:p="http://schemas.openxmlformats.org/presentationml/2006/main">
   <p:cSld>
     <p:spTree>
@@ -21658,7 +21974,7 @@
 </p:sld>
 </file>
 
-<file path=ppt/slides/slide12.xml><?xml version="1.0" encoding="utf-8"?>
+<file path=ppt/slides/slide13.xml><?xml version="1.0" encoding="utf-8"?>
 <p:sld xmlns:a="http://schemas.openxmlformats.org/drawingml/2006/main" xmlns:r="http://schemas.openxmlformats.org/officeDocument/2006/relationships" xmlns:p="http://schemas.openxmlformats.org/presentationml/2006/main">
   <p:cSld>
     <p:spTree>
@@ -22601,11 +22917,7 @@
             </a:r>
             <a:r>
               <a:rPr lang="es-BO" dirty="0" smtClean="0"/>
-              <a:t>Este modelo consta de </a:t>
-            </a:r>
-            <a:r>
-              <a:rPr lang="es-BO" dirty="0" smtClean="0"/>
-              <a:t>una memoria física unificada que almacena tanto instrucciones como datos, Este enfoque ha influido en la mayoría de computadoras modernas, permitiendo un diseño mas simple y eficiente</a:t>
+              <a:t>Este modelo consta de una memoria física unificada que almacena tanto instrucciones como datos, Este enfoque ha influido en la mayoría de computadoras modernas, permitiendo un diseño mas simple y eficiente</a:t>
             </a:r>
           </a:p>
           <a:p>
@@ -23647,6 +23959,460 @@
             <p:ph type="title"/>
           </p:nvPr>
         </p:nvSpPr>
+        <p:spPr/>
+        <p:txBody>
+          <a:bodyPr>
+            <a:normAutofit/>
+          </a:bodyPr>
+          <a:lstStyle/>
+          <a:p>
+            <a:r>
+              <a:rPr lang="es-BO" b="1" dirty="0" smtClean="0">
+                <a:latin typeface="Arial" panose="020B0604020202020204" pitchFamily="34" charset="0"/>
+                <a:cs typeface="Arial" panose="020B0604020202020204" pitchFamily="34" charset="0"/>
+              </a:rPr>
+              <a:t>MEMORIAS</a:t>
+            </a:r>
+            <a:endParaRPr lang="es-BO" sz="3100" dirty="0">
+              <a:latin typeface="Arial" panose="020B0604020202020204" pitchFamily="34" charset="0"/>
+              <a:cs typeface="Arial" panose="020B0604020202020204" pitchFamily="34" charset="0"/>
+            </a:endParaRPr>
+          </a:p>
+        </p:txBody>
+      </p:sp>
+      <p:sp>
+        <p:nvSpPr>
+          <p:cNvPr id="3" name="Título 1"/>
+          <p:cNvSpPr txBox="1">
+            <a:spLocks/>
+          </p:cNvSpPr>
+          <p:nvPr/>
+        </p:nvSpPr>
+        <p:spPr>
+          <a:xfrm>
+            <a:off x="947834" y="3186081"/>
+            <a:ext cx="3052665" cy="2309651"/>
+          </a:xfrm>
+          <a:prstGeom prst="rect">
+            <a:avLst/>
+          </a:prstGeom>
+        </p:spPr>
+        <p:txBody>
+          <a:bodyPr vert="horz" lIns="91440" tIns="45720" rIns="91440" bIns="45720" rtlCol="0" anchor="ctr">
+            <a:normAutofit fontScale="47500" lnSpcReduction="20000"/>
+          </a:bodyPr>
+          <a:lstStyle>
+            <a:lvl1pPr algn="l" defTabSz="914400" rtl="0" eaLnBrk="1" latinLnBrk="0" hangingPunct="1">
+              <a:lnSpc>
+                <a:spcPct val="90000"/>
+              </a:lnSpc>
+              <a:spcBef>
+                <a:spcPct val="0"/>
+              </a:spcBef>
+              <a:buNone/>
+              <a:defRPr sz="4400" kern="1200">
+                <a:solidFill>
+                  <a:schemeClr val="tx1"/>
+                </a:solidFill>
+                <a:latin typeface="+mj-lt"/>
+                <a:ea typeface="+mj-ea"/>
+                <a:cs typeface="+mj-cs"/>
+              </a:defRPr>
+            </a:lvl1pPr>
+          </a:lstStyle>
+          <a:p>
+            <a:r>
+              <a:rPr lang="es-BO" b="1" dirty="0" smtClean="0"/>
+              <a:t>CACHÉ</a:t>
+            </a:r>
+            <a:endParaRPr lang="es-BO" b="1" dirty="0" smtClean="0"/>
+          </a:p>
+          <a:p>
+            <a:r>
+              <a:rPr lang="es-BO" dirty="0" smtClean="0"/>
+              <a:t>Jerarquía: </a:t>
+            </a:r>
+          </a:p>
+          <a:p>
+            <a:r>
+              <a:rPr lang="es-BO" dirty="0"/>
+              <a:t>-</a:t>
+            </a:r>
+            <a:r>
+              <a:rPr lang="es-BO" dirty="0" smtClean="0"/>
+              <a:t>Registros </a:t>
+            </a:r>
+            <a:r>
+              <a:rPr lang="es-BO" dirty="0"/>
+              <a:t>ultra </a:t>
+            </a:r>
+            <a:r>
+              <a:rPr lang="es-BO" dirty="0" smtClean="0"/>
+              <a:t>rápidos</a:t>
+            </a:r>
+          </a:p>
+          <a:p>
+            <a:r>
+              <a:rPr lang="es-BO" dirty="0" smtClean="0"/>
+              <a:t>-Dentro </a:t>
+            </a:r>
+            <a:r>
+              <a:rPr lang="es-BO" dirty="0"/>
+              <a:t>de la </a:t>
+            </a:r>
+            <a:r>
+              <a:rPr lang="es-BO" dirty="0" err="1"/>
+              <a:t>CPU.Caché</a:t>
+            </a:r>
+            <a:r>
+              <a:rPr lang="es-BO" dirty="0"/>
+              <a:t> L1, L2, L3 </a:t>
+            </a:r>
+            <a:r>
+              <a:rPr lang="es-BO" dirty="0" smtClean="0"/>
+              <a:t>velocidad </a:t>
+            </a:r>
+            <a:r>
+              <a:rPr lang="es-BO" dirty="0"/>
+              <a:t>alta, tamaño moderado</a:t>
+            </a:r>
+            <a:r>
+              <a:rPr lang="es-BO" dirty="0" smtClean="0"/>
+              <a:t>.</a:t>
+            </a:r>
+          </a:p>
+          <a:p>
+            <a:r>
+              <a:rPr lang="es-BO" dirty="0"/>
+              <a:t>-</a:t>
+            </a:r>
+            <a:r>
+              <a:rPr lang="es-BO" dirty="0" smtClean="0"/>
+              <a:t>RAM  </a:t>
+            </a:r>
+            <a:r>
+              <a:rPr lang="es-BO" dirty="0"/>
+              <a:t>más lenta, más grande</a:t>
+            </a:r>
+            <a:r>
+              <a:rPr lang="es-BO" dirty="0" smtClean="0"/>
+              <a:t>.</a:t>
+            </a:r>
+          </a:p>
+          <a:p>
+            <a:r>
+              <a:rPr lang="es-BO" dirty="0" smtClean="0"/>
+              <a:t>Disco </a:t>
+            </a:r>
+            <a:r>
+              <a:rPr lang="es-BO" dirty="0"/>
+              <a:t>/ </a:t>
+            </a:r>
+            <a:r>
+              <a:rPr lang="es-BO" dirty="0" smtClean="0"/>
+              <a:t>Swap </a:t>
+            </a:r>
+            <a:r>
+              <a:rPr lang="es-BO" dirty="0"/>
+              <a:t>muy lento, mucho espacio</a:t>
+            </a:r>
+            <a:r>
+              <a:rPr lang="es-BO" dirty="0" smtClean="0"/>
+              <a:t>.</a:t>
+            </a:r>
+          </a:p>
+        </p:txBody>
+      </p:sp>
+      <p:sp>
+        <p:nvSpPr>
+          <p:cNvPr id="4" name="Título 1"/>
+          <p:cNvSpPr txBox="1">
+            <a:spLocks/>
+          </p:cNvSpPr>
+          <p:nvPr/>
+        </p:nvSpPr>
+        <p:spPr>
+          <a:xfrm>
+            <a:off x="4357830" y="2990137"/>
+            <a:ext cx="3052665" cy="2897479"/>
+          </a:xfrm>
+          <a:prstGeom prst="rect">
+            <a:avLst/>
+          </a:prstGeom>
+        </p:spPr>
+        <p:txBody>
+          <a:bodyPr vert="horz" lIns="91440" tIns="45720" rIns="91440" bIns="45720" rtlCol="0" anchor="ctr">
+            <a:normAutofit fontScale="47500" lnSpcReduction="20000"/>
+          </a:bodyPr>
+          <a:lstStyle>
+            <a:lvl1pPr algn="l" defTabSz="914400" rtl="0" eaLnBrk="1" latinLnBrk="0" hangingPunct="1">
+              <a:lnSpc>
+                <a:spcPct val="90000"/>
+              </a:lnSpc>
+              <a:spcBef>
+                <a:spcPct val="0"/>
+              </a:spcBef>
+              <a:buNone/>
+              <a:defRPr sz="4400" kern="1200">
+                <a:solidFill>
+                  <a:schemeClr val="tx1"/>
+                </a:solidFill>
+                <a:latin typeface="+mj-lt"/>
+                <a:ea typeface="+mj-ea"/>
+                <a:cs typeface="+mj-cs"/>
+              </a:defRPr>
+            </a:lvl1pPr>
+          </a:lstStyle>
+          <a:p>
+            <a:r>
+              <a:rPr lang="es-BO" b="1" dirty="0" smtClean="0"/>
+              <a:t>MEMORIA VIRTUAL</a:t>
+            </a:r>
+          </a:p>
+          <a:p>
+            <a:endParaRPr lang="es-BO" b="1" dirty="0" smtClean="0"/>
+          </a:p>
+          <a:p>
+            <a:r>
+              <a:rPr lang="es-BO" dirty="0"/>
+              <a:t>Sistema que simula que cada programa tiene su propia memoria </a:t>
+            </a:r>
+            <a:r>
+              <a:rPr lang="es-BO" dirty="0" err="1"/>
+              <a:t>continua.Combina</a:t>
+            </a:r>
+            <a:r>
+              <a:rPr lang="es-BO" dirty="0"/>
+              <a:t> RAM + disco duro (swap).La MMU traduce direcciones virtuales </a:t>
+            </a:r>
+            <a:r>
+              <a:rPr lang="es-BO" dirty="0" smtClean="0"/>
+              <a:t>físicas.</a:t>
+            </a:r>
+          </a:p>
+          <a:p>
+            <a:r>
+              <a:rPr lang="es-BO" dirty="0" smtClean="0"/>
+              <a:t>Ventaja</a:t>
+            </a:r>
+            <a:r>
+              <a:rPr lang="es-BO" dirty="0"/>
+              <a:t>: permite ejecutar programas grandes aunque la RAM sea limitada.</a:t>
+            </a:r>
+            <a:endParaRPr lang="es-BO" dirty="0" smtClean="0"/>
+          </a:p>
+        </p:txBody>
+      </p:sp>
+      <p:sp>
+        <p:nvSpPr>
+          <p:cNvPr id="5" name="Título 1"/>
+          <p:cNvSpPr txBox="1">
+            <a:spLocks/>
+          </p:cNvSpPr>
+          <p:nvPr/>
+        </p:nvSpPr>
+        <p:spPr>
+          <a:xfrm>
+            <a:off x="8109858" y="3123345"/>
+            <a:ext cx="2974910" cy="2372387"/>
+          </a:xfrm>
+          <a:prstGeom prst="rect">
+            <a:avLst/>
+          </a:prstGeom>
+        </p:spPr>
+        <p:txBody>
+          <a:bodyPr vert="horz" lIns="91440" tIns="45720" rIns="91440" bIns="45720" rtlCol="0" anchor="ctr">
+            <a:normAutofit fontScale="40000" lnSpcReduction="20000"/>
+          </a:bodyPr>
+          <a:lstStyle>
+            <a:lvl1pPr algn="l" defTabSz="914400" rtl="0" eaLnBrk="1" latinLnBrk="0" hangingPunct="1">
+              <a:lnSpc>
+                <a:spcPct val="90000"/>
+              </a:lnSpc>
+              <a:spcBef>
+                <a:spcPct val="0"/>
+              </a:spcBef>
+              <a:buNone/>
+              <a:defRPr sz="4400" kern="1200">
+                <a:solidFill>
+                  <a:schemeClr val="tx1"/>
+                </a:solidFill>
+                <a:latin typeface="+mj-lt"/>
+                <a:ea typeface="+mj-ea"/>
+                <a:cs typeface="+mj-cs"/>
+              </a:defRPr>
+            </a:lvl1pPr>
+          </a:lstStyle>
+          <a:p>
+            <a:r>
+              <a:rPr lang="es-BO" b="1" dirty="0" smtClean="0"/>
+              <a:t>POLÍTICAS </a:t>
+            </a:r>
+          </a:p>
+          <a:p>
+            <a:endParaRPr lang="es-BO" b="1" dirty="0" smtClean="0"/>
+          </a:p>
+          <a:p>
+            <a:r>
+              <a:rPr lang="es-BO" dirty="0" smtClean="0"/>
+              <a:t>- LRU </a:t>
+            </a:r>
+            <a:r>
+              <a:rPr lang="es-BO" dirty="0"/>
+              <a:t>(</a:t>
+            </a:r>
+            <a:r>
+              <a:rPr lang="es-BO" dirty="0" err="1"/>
+              <a:t>Least</a:t>
+            </a:r>
+            <a:r>
+              <a:rPr lang="es-BO" dirty="0"/>
+              <a:t> </a:t>
+            </a:r>
+            <a:r>
+              <a:rPr lang="es-BO" dirty="0" err="1"/>
+              <a:t>Recently</a:t>
+            </a:r>
+            <a:r>
+              <a:rPr lang="es-BO" dirty="0"/>
+              <a:t> </a:t>
+            </a:r>
+            <a:r>
+              <a:rPr lang="es-BO" dirty="0" err="1"/>
+              <a:t>Used</a:t>
+            </a:r>
+            <a:r>
+              <a:rPr lang="es-BO" dirty="0"/>
+              <a:t>): reemplaza el dato menos usado recientemente</a:t>
+            </a:r>
+            <a:r>
+              <a:rPr lang="es-BO" dirty="0" smtClean="0"/>
+              <a:t>.</a:t>
+            </a:r>
+          </a:p>
+          <a:p>
+            <a:r>
+              <a:rPr lang="es-BO" dirty="0" smtClean="0"/>
+              <a:t>- FIFO </a:t>
+            </a:r>
+            <a:r>
+              <a:rPr lang="es-BO" dirty="0"/>
+              <a:t>(</a:t>
+            </a:r>
+            <a:r>
+              <a:rPr lang="es-BO" dirty="0" err="1"/>
+              <a:t>First</a:t>
+            </a:r>
+            <a:r>
+              <a:rPr lang="es-BO" dirty="0"/>
+              <a:t> In, </a:t>
+            </a:r>
+            <a:r>
+              <a:rPr lang="es-BO" dirty="0" err="1"/>
+              <a:t>First</a:t>
+            </a:r>
+            <a:r>
+              <a:rPr lang="es-BO" dirty="0"/>
+              <a:t> </a:t>
+            </a:r>
+            <a:r>
+              <a:rPr lang="es-BO" dirty="0" err="1"/>
+              <a:t>Out</a:t>
+            </a:r>
+            <a:r>
+              <a:rPr lang="es-BO" dirty="0"/>
+              <a:t>): reemplaza el dato más antiguo</a:t>
+            </a:r>
+            <a:r>
+              <a:rPr lang="es-BO" dirty="0" smtClean="0"/>
+              <a:t>.</a:t>
+            </a:r>
+          </a:p>
+          <a:p>
+            <a:r>
+              <a:rPr lang="es-BO" dirty="0" smtClean="0"/>
+              <a:t>- LFU </a:t>
+            </a:r>
+            <a:r>
+              <a:rPr lang="es-BO" dirty="0"/>
+              <a:t>(</a:t>
+            </a:r>
+            <a:r>
+              <a:rPr lang="es-BO" dirty="0" err="1"/>
+              <a:t>Least</a:t>
+            </a:r>
+            <a:r>
+              <a:rPr lang="es-BO" dirty="0"/>
+              <a:t> </a:t>
+            </a:r>
+            <a:r>
+              <a:rPr lang="es-BO" dirty="0" err="1"/>
+              <a:t>Frequently</a:t>
+            </a:r>
+            <a:r>
+              <a:rPr lang="es-BO" dirty="0"/>
+              <a:t> </a:t>
+            </a:r>
+            <a:r>
+              <a:rPr lang="es-BO" dirty="0" err="1"/>
+              <a:t>Used</a:t>
+            </a:r>
+            <a:r>
+              <a:rPr lang="es-BO" dirty="0"/>
+              <a:t>): reemplaza el dato menos usado en </a:t>
+            </a:r>
+            <a:r>
+              <a:rPr lang="es-BO" dirty="0" err="1"/>
+              <a:t>cantidad.Random</a:t>
+            </a:r>
+            <a:r>
+              <a:rPr lang="es-BO" dirty="0"/>
+              <a:t>: reemplaza un dato al azar.</a:t>
+            </a:r>
+            <a:endParaRPr lang="es-BO" dirty="0" smtClean="0"/>
+          </a:p>
+        </p:txBody>
+      </p:sp>
+    </p:spTree>
+    <p:extLst>
+      <p:ext uri="{BB962C8B-B14F-4D97-AF65-F5344CB8AC3E}">
+        <p14:creationId xmlns:p14="http://schemas.microsoft.com/office/powerpoint/2010/main" val="405732215"/>
+      </p:ext>
+    </p:extLst>
+  </p:cSld>
+  <p:clrMapOvr>
+    <a:masterClrMapping/>
+  </p:clrMapOvr>
+</p:sld>
+</file>
+
+<file path=ppt/slides/slide9.xml><?xml version="1.0" encoding="utf-8"?>
+<p:sld xmlns:a="http://schemas.openxmlformats.org/drawingml/2006/main" xmlns:r="http://schemas.openxmlformats.org/officeDocument/2006/relationships" xmlns:p="http://schemas.openxmlformats.org/presentationml/2006/main">
+  <p:cSld>
+    <p:spTree>
+      <p:nvGrpSpPr>
+        <p:cNvPr id="1" name=""/>
+        <p:cNvGrpSpPr/>
+        <p:nvPr/>
+      </p:nvGrpSpPr>
+      <p:grpSpPr>
+        <a:xfrm>
+          <a:off x="0" y="0"/>
+          <a:ext cx="0" cy="0"/>
+          <a:chOff x="0" y="0"/>
+          <a:chExt cx="0" cy="0"/>
+        </a:xfrm>
+      </p:grpSpPr>
+      <p:sp>
+        <p:nvSpPr>
+          <p:cNvPr id="2" name="Título 1"/>
+          <p:cNvSpPr>
+            <a:spLocks noGrp="1"/>
+          </p:cNvSpPr>
+          <p:nvPr>
+            <p:ph type="title"/>
+          </p:nvPr>
+        </p:nvSpPr>
         <p:spPr>
           <a:xfrm>
             <a:off x="1119707" y="569167"/>
@@ -23776,236 +24542,6 @@
     <p:extLst>
       <p:ext uri="{BB962C8B-B14F-4D97-AF65-F5344CB8AC3E}">
         <p14:creationId xmlns:p14="http://schemas.microsoft.com/office/powerpoint/2010/main" val="1293496219"/>
-      </p:ext>
-    </p:extLst>
-  </p:cSld>
-  <p:clrMapOvr>
-    <a:masterClrMapping/>
-  </p:clrMapOvr>
-</p:sld>
-</file>
-
-<file path=ppt/slides/slide9.xml><?xml version="1.0" encoding="utf-8"?>
-<p:sld xmlns:a="http://schemas.openxmlformats.org/drawingml/2006/main" xmlns:r="http://schemas.openxmlformats.org/officeDocument/2006/relationships" xmlns:p="http://schemas.openxmlformats.org/presentationml/2006/main">
-  <p:cSld>
-    <p:spTree>
-      <p:nvGrpSpPr>
-        <p:cNvPr id="1" name=""/>
-        <p:cNvGrpSpPr/>
-        <p:nvPr/>
-      </p:nvGrpSpPr>
-      <p:grpSpPr>
-        <a:xfrm>
-          <a:off x="0" y="0"/>
-          <a:ext cx="0" cy="0"/>
-          <a:chOff x="0" y="0"/>
-          <a:chExt cx="0" cy="0"/>
-        </a:xfrm>
-      </p:grpSpPr>
-      <p:pic>
-        <p:nvPicPr>
-          <p:cNvPr id="3" name="Imagen 2"/>
-          <p:cNvPicPr>
-            <a:picLocks noChangeAspect="1"/>
-          </p:cNvPicPr>
-          <p:nvPr/>
-        </p:nvPicPr>
-        <p:blipFill>
-          <a:blip r:embed="rId2"/>
-          <a:stretch>
-            <a:fillRect/>
-          </a:stretch>
-        </p:blipFill>
-        <p:spPr>
-          <a:xfrm>
-            <a:off x="32984" y="2295330"/>
-            <a:ext cx="4339388" cy="2192694"/>
-          </a:xfrm>
-          <a:prstGeom prst="rect">
-            <a:avLst/>
-          </a:prstGeom>
-        </p:spPr>
-      </p:pic>
-      <p:pic>
-        <p:nvPicPr>
-          <p:cNvPr id="4" name="Imagen 3"/>
-          <p:cNvPicPr>
-            <a:picLocks noChangeAspect="1"/>
-          </p:cNvPicPr>
-          <p:nvPr/>
-        </p:nvPicPr>
-        <p:blipFill>
-          <a:blip r:embed="rId3"/>
-          <a:stretch>
-            <a:fillRect/>
-          </a:stretch>
-        </p:blipFill>
-        <p:spPr>
-          <a:xfrm>
-            <a:off x="4372372" y="1063690"/>
-            <a:ext cx="3209077" cy="3526971"/>
-          </a:xfrm>
-          <a:prstGeom prst="rect">
-            <a:avLst/>
-          </a:prstGeom>
-        </p:spPr>
-      </p:pic>
-      <p:pic>
-        <p:nvPicPr>
-          <p:cNvPr id="5" name="Imagen 4"/>
-          <p:cNvPicPr>
-            <a:picLocks noChangeAspect="1"/>
-          </p:cNvPicPr>
-          <p:nvPr/>
-        </p:nvPicPr>
-        <p:blipFill rotWithShape="1">
-          <a:blip r:embed="rId4">
-            <a:extLst>
-              <a:ext uri="{28A0092B-C50C-407E-A947-70E740481C1C}">
-                <a14:useLocalDpi xmlns:a14="http://schemas.microsoft.com/office/drawing/2010/main" val="0"/>
-              </a:ext>
-            </a:extLst>
-          </a:blip>
-          <a:srcRect l="19173" t="21360" r="10682" b="11701"/>
-          <a:stretch/>
-        </p:blipFill>
-        <p:spPr>
-          <a:xfrm>
-            <a:off x="7581449" y="0"/>
-            <a:ext cx="3340359" cy="4590661"/>
-          </a:xfrm>
-          <a:prstGeom prst="rect">
-            <a:avLst/>
-          </a:prstGeom>
-        </p:spPr>
-      </p:pic>
-      <p:sp>
-        <p:nvSpPr>
-          <p:cNvPr id="7" name="CuadroTexto 6"/>
-          <p:cNvSpPr txBox="1"/>
-          <p:nvPr/>
-        </p:nvSpPr>
-        <p:spPr>
-          <a:xfrm>
-            <a:off x="1684502" y="4907902"/>
-            <a:ext cx="970384" cy="382556"/>
-          </a:xfrm>
-          <a:prstGeom prst="rect">
-            <a:avLst/>
-          </a:prstGeom>
-          <a:noFill/>
-        </p:spPr>
-        <p:txBody>
-          <a:bodyPr wrap="square" rtlCol="0">
-            <a:spAutoFit/>
-          </a:bodyPr>
-          <a:lstStyle/>
-          <a:p>
-            <a:r>
-              <a:rPr lang="es-BO" dirty="0" smtClean="0"/>
-              <a:t>1</a:t>
-            </a:r>
-            <a:r>
-              <a:rPr lang="es-BO" dirty="0" smtClean="0"/>
-              <a:t> </a:t>
-            </a:r>
-            <a:endParaRPr lang="es-BO" dirty="0"/>
-          </a:p>
-        </p:txBody>
-      </p:sp>
-      <p:sp>
-        <p:nvSpPr>
-          <p:cNvPr id="9" name="CuadroTexto 8"/>
-          <p:cNvSpPr txBox="1"/>
-          <p:nvPr/>
-        </p:nvSpPr>
-        <p:spPr>
-          <a:xfrm>
-            <a:off x="5346441" y="4907902"/>
-            <a:ext cx="1642188" cy="369332"/>
-          </a:xfrm>
-          <a:prstGeom prst="rect">
-            <a:avLst/>
-          </a:prstGeom>
-          <a:noFill/>
-        </p:spPr>
-        <p:txBody>
-          <a:bodyPr wrap="square" rtlCol="0">
-            <a:spAutoFit/>
-          </a:bodyPr>
-          <a:lstStyle/>
-          <a:p>
-            <a:r>
-              <a:rPr lang="es-BO" dirty="0" smtClean="0"/>
-              <a:t>2</a:t>
-            </a:r>
-            <a:endParaRPr lang="es-BO" dirty="0"/>
-          </a:p>
-        </p:txBody>
-      </p:sp>
-      <p:sp>
-        <p:nvSpPr>
-          <p:cNvPr id="10" name="CuadroTexto 9"/>
-          <p:cNvSpPr txBox="1"/>
-          <p:nvPr/>
-        </p:nvSpPr>
-        <p:spPr>
-          <a:xfrm>
-            <a:off x="8808098" y="4907902"/>
-            <a:ext cx="1446245" cy="369332"/>
-          </a:xfrm>
-          <a:prstGeom prst="rect">
-            <a:avLst/>
-          </a:prstGeom>
-          <a:noFill/>
-        </p:spPr>
-        <p:txBody>
-          <a:bodyPr wrap="square" rtlCol="0">
-            <a:spAutoFit/>
-          </a:bodyPr>
-          <a:lstStyle/>
-          <a:p>
-            <a:r>
-              <a:rPr lang="es-BO" dirty="0" smtClean="0"/>
-              <a:t>3</a:t>
-            </a:r>
-            <a:endParaRPr lang="es-BO" dirty="0"/>
-          </a:p>
-        </p:txBody>
-      </p:sp>
-      <p:sp>
-        <p:nvSpPr>
-          <p:cNvPr id="12" name="Rectángulo 11"/>
-          <p:cNvSpPr/>
-          <p:nvPr/>
-        </p:nvSpPr>
-        <p:spPr>
-          <a:xfrm>
-            <a:off x="236971" y="162513"/>
-            <a:ext cx="4813625" cy="369332"/>
-          </a:xfrm>
-          <a:prstGeom prst="rect">
-            <a:avLst/>
-          </a:prstGeom>
-        </p:spPr>
-        <p:txBody>
-          <a:bodyPr wrap="none">
-            <a:spAutoFit/>
-          </a:bodyPr>
-          <a:lstStyle/>
-          <a:p>
-            <a:r>
-              <a:rPr lang="es-BO" b="1" dirty="0" smtClean="0"/>
-              <a:t>Esquematización del flujo de la arquitectura x86</a:t>
-            </a:r>
-            <a:endParaRPr lang="es-BO" dirty="0"/>
-          </a:p>
-        </p:txBody>
-      </p:sp>
-    </p:spTree>
-    <p:extLst>
-      <p:ext uri="{BB962C8B-B14F-4D97-AF65-F5344CB8AC3E}">
-        <p14:creationId xmlns:p14="http://schemas.microsoft.com/office/powerpoint/2010/main" val="1793049272"/>
       </p:ext>
     </p:extLst>
   </p:cSld>
